--- a/presentation.pptx
+++ b/presentation.pptx
@@ -116,7 +116,7 @@
   </p:defaultTextStyle>
   <p:extLst>
     <p:ext uri="{EFAFB233-063F-42B5-8137-9DF3F51BA10A}">
-      <p15:sldGuideLst xmlns:p15="http://schemas.microsoft.com/office/powerpoint/2012/main"/>
+      <p15:sldGuideLst xmlns:p15="http://schemas.microsoft.com/office/powerpoint/2012/main" xmlns=""/>
     </p:ext>
   </p:extLst>
 </p:presentation>
@@ -6025,7 +6025,11 @@
           <a:bodyPr/>
           <a:lstStyle/>
           <a:p>
-            <a:endParaRPr lang="en-NZ"/>
+            <a:r>
+              <a:rPr lang="en-NZ" dirty="0" smtClean="0"/>
+              <a:t>test</a:t>
+            </a:r>
+            <a:endParaRPr lang="en-NZ" dirty="0"/>
           </a:p>
         </p:txBody>
       </p:sp>
@@ -6361,7 +6365,7 @@
           <p:nvPr/>
         </p:nvPicPr>
         <p:blipFill>
-          <a:blip r:embed="rId2">
+          <a:blip r:embed="rId2" cstate="print">
             <a:extLst>
               <a:ext uri="{28A0092B-C50C-407E-A947-70E740481C1C}">
                 <a14:useLocalDpi xmlns:a14="http://schemas.microsoft.com/office/drawing/2010/main" val="0"/>
@@ -7244,7 +7248,7 @@
     </a:clrScheme>
     <a:fontScheme name="Facet">
       <a:majorFont>
-        <a:latin typeface="Trebuchet MS" panose="020B0603020202020204"/>
+        <a:latin typeface="Trebuchet MS"/>
         <a:ea typeface=""/>
         <a:cs typeface=""/>
         <a:font script="Jpan" typeface="メイリオ"/>
@@ -7279,7 +7283,7 @@
         <a:font script="Geor" typeface="Sylfaen"/>
       </a:majorFont>
       <a:minorFont>
-        <a:latin typeface="Trebuchet MS" panose="020B0603020202020204"/>
+        <a:latin typeface="Trebuchet MS"/>
         <a:ea typeface=""/>
         <a:cs typeface=""/>
         <a:font script="Jpan" typeface="メイリオ"/>
@@ -7452,7 +7456,7 @@
   <a:extraClrSchemeLst/>
   <a:extLst>
     <a:ext uri="{05A4C25C-085E-4340-85A3-A5531E510DB2}">
-      <thm15:themeFamily xmlns:thm15="http://schemas.microsoft.com/office/thememl/2012/main" name="Facet" id="{C0C680CD-088A-49FC-A102-D699147F32B2}" vid="{8C59B386-999D-4CB6-B907-9F3997C027CC}"/>
+      <thm15:themeFamily xmlns:thm15="http://schemas.microsoft.com/office/thememl/2012/main" xmlns="" name="Facet" id="{C0C680CD-088A-49FC-A102-D699147F32B2}" vid="{8C59B386-999D-4CB6-B907-9F3997C027CC}"/>
     </a:ext>
   </a:extLst>
 </a:theme>

--- a/presentation.pptx
+++ b/presentation.pptx
@@ -9,13 +9,14 @@
     <p:sldId id="257" r:id="rId3"/>
     <p:sldId id="259" r:id="rId4"/>
     <p:sldId id="258" r:id="rId5"/>
-    <p:sldId id="262" r:id="rId6"/>
-    <p:sldId id="263" r:id="rId7"/>
-    <p:sldId id="264" r:id="rId8"/>
-    <p:sldId id="260" r:id="rId9"/>
-    <p:sldId id="261" r:id="rId10"/>
-    <p:sldId id="265" r:id="rId11"/>
-    <p:sldId id="266" r:id="rId12"/>
+    <p:sldId id="267" r:id="rId6"/>
+    <p:sldId id="262" r:id="rId7"/>
+    <p:sldId id="263" r:id="rId8"/>
+    <p:sldId id="264" r:id="rId9"/>
+    <p:sldId id="260" r:id="rId10"/>
+    <p:sldId id="261" r:id="rId11"/>
+    <p:sldId id="265" r:id="rId12"/>
+    <p:sldId id="266" r:id="rId13"/>
   </p:sldIdLst>
   <p:sldSz cx="12192000" cy="6858000"/>
   <p:notesSz cx="6858000" cy="9144000"/>
@@ -116,7 +117,7 @@
   </p:defaultTextStyle>
   <p:extLst>
     <p:ext uri="{EFAFB233-063F-42B5-8137-9DF3F51BA10A}">
-      <p15:sldGuideLst xmlns:p15="http://schemas.microsoft.com/office/powerpoint/2012/main" xmlns=""/>
+      <p15:sldGuideLst xmlns:p15="http://schemas.microsoft.com/office/powerpoint/2012/main"/>
     </p:ext>
   </p:extLst>
 </p:presentation>
@@ -5934,7 +5935,7 @@
           <a:p>
             <a:r>
               <a:rPr lang="en-NZ" dirty="0"/>
-              <a:t>Isometric View</a:t>
+              <a:t>Combat Interaction</a:t>
             </a:r>
           </a:p>
         </p:txBody>
@@ -5954,28 +5955,6 @@
           <a:bodyPr/>
           <a:lstStyle/>
           <a:p>
-            <a:r>
-              <a:rPr lang="en-NZ" dirty="0"/>
-              <a:t>View rotation</a:t>
-            </a:r>
-          </a:p>
-          <a:p>
-            <a:r>
-              <a:rPr lang="en-NZ" dirty="0"/>
-              <a:t>60,30 angle</a:t>
-            </a:r>
-          </a:p>
-          <a:p>
-            <a:r>
-              <a:rPr lang="en-NZ" dirty="0"/>
-              <a:t>Angle adjusted sprites</a:t>
-            </a:r>
-          </a:p>
-          <a:p>
-            <a:r>
-              <a:rPr lang="en-NZ" dirty="0" err="1"/>
-              <a:t>etc</a:t>
-            </a:r>
             <a:endParaRPr lang="en-NZ" dirty="0"/>
           </a:p>
         </p:txBody>
@@ -5983,7 +5962,7 @@
     </p:spTree>
     <p:extLst>
       <p:ext uri="{BB962C8B-B14F-4D97-AF65-F5344CB8AC3E}">
-        <p14:creationId xmlns:p14="http://schemas.microsoft.com/office/powerpoint/2010/main" val="1240537883"/>
+        <p14:creationId xmlns:p14="http://schemas.microsoft.com/office/powerpoint/2010/main" val="2300384800"/>
       </p:ext>
     </p:extLst>
   </p:cSld>
@@ -6026,10 +6005,99 @@
           <a:lstStyle/>
           <a:p>
             <a:r>
-              <a:rPr lang="en-NZ" dirty="0" smtClean="0"/>
-              <a:t>test</a:t>
+              <a:rPr lang="en-NZ" dirty="0"/>
+              <a:t>Isometric View</a:t>
+            </a:r>
+          </a:p>
+        </p:txBody>
+      </p:sp>
+      <p:sp>
+        <p:nvSpPr>
+          <p:cNvPr id="3" name="Content Placeholder 2"/>
+          <p:cNvSpPr>
+            <a:spLocks noGrp="1"/>
+          </p:cNvSpPr>
+          <p:nvPr>
+            <p:ph idx="1"/>
+          </p:nvPr>
+        </p:nvSpPr>
+        <p:spPr/>
+        <p:txBody>
+          <a:bodyPr/>
+          <a:lstStyle/>
+          <a:p>
+            <a:r>
+              <a:rPr lang="en-NZ" dirty="0"/>
+              <a:t>View rotation</a:t>
+            </a:r>
+          </a:p>
+          <a:p>
+            <a:r>
+              <a:rPr lang="en-NZ" dirty="0"/>
+              <a:t>60,30 angle</a:t>
+            </a:r>
+          </a:p>
+          <a:p>
+            <a:r>
+              <a:rPr lang="en-NZ" dirty="0"/>
+              <a:t>Angle adjusted sprites</a:t>
+            </a:r>
+          </a:p>
+          <a:p>
+            <a:r>
+              <a:rPr lang="en-NZ" dirty="0" err="1"/>
+              <a:t>etc</a:t>
             </a:r>
             <a:endParaRPr lang="en-NZ" dirty="0"/>
+          </a:p>
+        </p:txBody>
+      </p:sp>
+    </p:spTree>
+    <p:extLst>
+      <p:ext uri="{BB962C8B-B14F-4D97-AF65-F5344CB8AC3E}">
+        <p14:creationId xmlns:p14="http://schemas.microsoft.com/office/powerpoint/2010/main" val="1240537883"/>
+      </p:ext>
+    </p:extLst>
+  </p:cSld>
+  <p:clrMapOvr>
+    <a:masterClrMapping/>
+  </p:clrMapOvr>
+</p:sld>
+</file>
+
+<file path=ppt/slides/slide12.xml><?xml version="1.0" encoding="utf-8"?>
+<p:sld xmlns:a="http://schemas.openxmlformats.org/drawingml/2006/main" xmlns:r="http://schemas.openxmlformats.org/officeDocument/2006/relationships" xmlns:p="http://schemas.openxmlformats.org/presentationml/2006/main">
+  <p:cSld>
+    <p:spTree>
+      <p:nvGrpSpPr>
+        <p:cNvPr id="1" name=""/>
+        <p:cNvGrpSpPr/>
+        <p:nvPr/>
+      </p:nvGrpSpPr>
+      <p:grpSpPr>
+        <a:xfrm>
+          <a:off x="0" y="0"/>
+          <a:ext cx="0" cy="0"/>
+          <a:chOff x="0" y="0"/>
+          <a:chExt cx="0" cy="0"/>
+        </a:xfrm>
+      </p:grpSpPr>
+      <p:sp>
+        <p:nvSpPr>
+          <p:cNvPr id="2" name="Title 1"/>
+          <p:cNvSpPr>
+            <a:spLocks noGrp="1"/>
+          </p:cNvSpPr>
+          <p:nvPr>
+            <p:ph type="title"/>
+          </p:nvPr>
+        </p:nvSpPr>
+        <p:spPr/>
+        <p:txBody>
+          <a:bodyPr/>
+          <a:lstStyle/>
+          <a:p>
+            <a:endParaRPr lang="en-NZ"/>
           </a:p>
         </p:txBody>
       </p:sp>
@@ -6365,7 +6433,7 @@
           <p:nvPr/>
         </p:nvPicPr>
         <p:blipFill>
-          <a:blip r:embed="rId2" cstate="print">
+          <a:blip r:embed="rId2">
             <a:extLst>
               <a:ext uri="{28A0092B-C50C-407E-A947-70E740481C1C}">
                 <a14:useLocalDpi xmlns:a14="http://schemas.microsoft.com/office/drawing/2010/main" val="0"/>
@@ -6579,46 +6647,47 @@
           </a:p>
         </p:txBody>
       </p:sp>
-      <p:sp>
-        <p:nvSpPr>
-          <p:cNvPr id="4" name="Rectangle 3"/>
-          <p:cNvSpPr/>
+      <p:pic>
+        <p:nvPicPr>
+          <p:cNvPr id="1026" name="Picture 2" descr="https://pixabay.com/static/uploads/photo/2012/11/02/05/23/question-63916_960_720.jpg"/>
+          <p:cNvPicPr>
+            <a:picLocks noChangeAspect="1" noChangeArrowheads="1"/>
+          </p:cNvPicPr>
           <p:nvPr/>
-        </p:nvSpPr>
-        <p:spPr>
+        </p:nvPicPr>
+        <p:blipFill>
+          <a:blip r:embed="rId2">
+            <a:extLst>
+              <a:ext uri="{28A0092B-C50C-407E-A947-70E740481C1C}">
+                <a14:useLocalDpi xmlns:a14="http://schemas.microsoft.com/office/drawing/2010/main" val="0"/>
+              </a:ext>
+            </a:extLst>
+          </a:blip>
+          <a:srcRect/>
+          <a:stretch>
+            <a:fillRect/>
+          </a:stretch>
+        </p:blipFill>
+        <p:spPr bwMode="auto">
           <a:xfrm>
-            <a:off x="139700" y="1549400"/>
-            <a:ext cx="4394200" cy="4673600"/>
+            <a:off x="173160" y="2144967"/>
+            <a:ext cx="4091305" cy="2889485"/>
           </a:xfrm>
           <a:prstGeom prst="rect">
             <a:avLst/>
           </a:prstGeom>
+          <a:noFill/>
+          <a:extLst>
+            <a:ext uri="{909E8E84-426E-40DD-AFC4-6F175D3DCCD1}">
+              <a14:hiddenFill xmlns:a14="http://schemas.microsoft.com/office/drawing/2010/main">
+                <a:solidFill>
+                  <a:srgbClr val="FFFFFF"/>
+                </a:solidFill>
+              </a14:hiddenFill>
+            </a:ext>
+          </a:extLst>
         </p:spPr>
-        <p:style>
-          <a:lnRef idx="2">
-            <a:schemeClr val="accent1">
-              <a:shade val="50000"/>
-            </a:schemeClr>
-          </a:lnRef>
-          <a:fillRef idx="1">
-            <a:schemeClr val="accent1"/>
-          </a:fillRef>
-          <a:effectRef idx="0">
-            <a:schemeClr val="accent1"/>
-          </a:effectRef>
-          <a:fontRef idx="minor">
-            <a:schemeClr val="lt1"/>
-          </a:fontRef>
-        </p:style>
-        <p:txBody>
-          <a:bodyPr rtlCol="0" anchor="ctr"/>
-          <a:lstStyle/>
-          <a:p>
-            <a:pPr algn="ctr"/>
-            <a:endParaRPr lang="en-NZ"/>
-          </a:p>
-        </p:txBody>
-      </p:sp>
+      </p:pic>
     </p:spTree>
     <p:extLst>
       <p:ext uri="{BB962C8B-B14F-4D97-AF65-F5344CB8AC3E}">
@@ -6666,7 +6735,7 @@
           <a:p>
             <a:r>
               <a:rPr lang="en-NZ" dirty="0"/>
-              <a:t>Character</a:t>
+              <a:t>Sprites</a:t>
             </a:r>
           </a:p>
         </p:txBody>
@@ -6683,8 +6752,8 @@
         </p:nvSpPr>
         <p:spPr>
           <a:xfrm>
-            <a:off x="5397500" y="2160589"/>
-            <a:ext cx="6184900" cy="3880773"/>
+            <a:off x="5609492" y="2160589"/>
+            <a:ext cx="3664510" cy="3880773"/>
           </a:xfrm>
         </p:spPr>
         <p:txBody>
@@ -6693,78 +6762,70 @@
           <a:p>
             <a:r>
               <a:rPr lang="en-NZ" dirty="0"/>
-              <a:t>//information stored in character class/script file</a:t>
+              <a:t>Angles need to match the world offset</a:t>
             </a:r>
           </a:p>
           <a:p>
             <a:r>
               <a:rPr lang="en-NZ" dirty="0"/>
-              <a:t>One of three weapons: Pistol, Sniper rifle, Shotgun</a:t>
-            </a:r>
-          </a:p>
-          <a:p>
+              <a:t>//sprite sheet sub </a:t>
+            </a:r>
+            <a:r>
+              <a:rPr lang="en-NZ" dirty="0" err="1"/>
+              <a:t>rect</a:t>
+            </a:r>
             <a:r>
               <a:rPr lang="en-NZ" dirty="0"/>
-              <a:t>Strengths and weaknesses(accuracy, movement, health, </a:t>
-            </a:r>
-            <a:r>
-              <a:rPr lang="en-NZ" dirty="0" err="1"/>
-              <a:t>etc</a:t>
-            </a:r>
-            <a:r>
-              <a:rPr lang="en-NZ" dirty="0"/>
-              <a:t>)</a:t>
-            </a:r>
-          </a:p>
-          <a:p>
-            <a:endParaRPr lang="en-NZ" dirty="0"/>
-          </a:p>
-        </p:txBody>
-      </p:sp>
-      <p:sp>
-        <p:nvSpPr>
-          <p:cNvPr id="5" name="Rectangle 4"/>
-          <p:cNvSpPr/>
+              <a:t> info</a:t>
+            </a:r>
+          </a:p>
+        </p:txBody>
+      </p:sp>
+      <p:pic>
+        <p:nvPicPr>
+          <p:cNvPr id="2050" name="Picture 2" descr="http://spritedatabase.net/files/gba/994/Sprite/Fighter.png"/>
+          <p:cNvPicPr>
+            <a:picLocks noChangeAspect="1" noChangeArrowheads="1"/>
+          </p:cNvPicPr>
           <p:nvPr/>
-        </p:nvSpPr>
-        <p:spPr>
+        </p:nvPicPr>
+        <p:blipFill>
+          <a:blip r:embed="rId2">
+            <a:extLst>
+              <a:ext uri="{28A0092B-C50C-407E-A947-70E740481C1C}">
+                <a14:useLocalDpi xmlns:a14="http://schemas.microsoft.com/office/drawing/2010/main" val="0"/>
+              </a:ext>
+            </a:extLst>
+          </a:blip>
+          <a:srcRect/>
+          <a:stretch>
+            <a:fillRect/>
+          </a:stretch>
+        </p:blipFill>
+        <p:spPr bwMode="auto">
           <a:xfrm>
-            <a:off x="139700" y="1549400"/>
-            <a:ext cx="4394200" cy="4673600"/>
+            <a:off x="289367" y="2160589"/>
+            <a:ext cx="5218363" cy="3457696"/>
           </a:xfrm>
           <a:prstGeom prst="rect">
             <a:avLst/>
           </a:prstGeom>
+          <a:noFill/>
+          <a:extLst>
+            <a:ext uri="{909E8E84-426E-40DD-AFC4-6F175D3DCCD1}">
+              <a14:hiddenFill xmlns:a14="http://schemas.microsoft.com/office/drawing/2010/main">
+                <a:solidFill>
+                  <a:srgbClr val="FFFFFF"/>
+                </a:solidFill>
+              </a14:hiddenFill>
+            </a:ext>
+          </a:extLst>
         </p:spPr>
-        <p:style>
-          <a:lnRef idx="2">
-            <a:schemeClr val="accent1">
-              <a:shade val="50000"/>
-            </a:schemeClr>
-          </a:lnRef>
-          <a:fillRef idx="1">
-            <a:schemeClr val="accent1"/>
-          </a:fillRef>
-          <a:effectRef idx="0">
-            <a:schemeClr val="accent1"/>
-          </a:effectRef>
-          <a:fontRef idx="minor">
-            <a:schemeClr val="lt1"/>
-          </a:fontRef>
-        </p:style>
-        <p:txBody>
-          <a:bodyPr rtlCol="0" anchor="ctr"/>
-          <a:lstStyle/>
-          <a:p>
-            <a:pPr algn="ctr"/>
-            <a:endParaRPr lang="en-NZ"/>
-          </a:p>
-        </p:txBody>
-      </p:sp>
+      </p:pic>
     </p:spTree>
     <p:extLst>
       <p:ext uri="{BB962C8B-B14F-4D97-AF65-F5344CB8AC3E}">
-        <p14:creationId xmlns:p14="http://schemas.microsoft.com/office/powerpoint/2010/main" val="1732921120"/>
+        <p14:creationId xmlns:p14="http://schemas.microsoft.com/office/powerpoint/2010/main" val="2840182598"/>
       </p:ext>
     </p:extLst>
   </p:cSld>
@@ -6808,7 +6869,7 @@
           <a:p>
             <a:r>
               <a:rPr lang="en-NZ" dirty="0"/>
-              <a:t>Enemies</a:t>
+              <a:t>Character</a:t>
             </a:r>
           </a:p>
         </p:txBody>
@@ -6825,8 +6886,8 @@
         </p:nvSpPr>
         <p:spPr>
           <a:xfrm>
-            <a:off x="4699000" y="2224089"/>
-            <a:ext cx="6861002" cy="3880773"/>
+            <a:off x="5397500" y="2160589"/>
+            <a:ext cx="6184900" cy="3880773"/>
           </a:xfrm>
         </p:spPr>
         <p:txBody>
@@ -6835,33 +6896,37 @@
           <a:p>
             <a:r>
               <a:rPr lang="en-NZ" dirty="0"/>
-              <a:t>Standard enemies and boss enemy</a:t>
+              <a:t>//information stored in character class/script file</a:t>
             </a:r>
           </a:p>
           <a:p>
             <a:r>
               <a:rPr lang="en-NZ" dirty="0"/>
-              <a:t>Random accuracy, strength, health, movement</a:t>
+              <a:t>One of three weapons: Pistol, Sniper rifle, Shotgun</a:t>
             </a:r>
           </a:p>
           <a:p>
             <a:r>
               <a:rPr lang="en-NZ" dirty="0"/>
-              <a:t>Limited roaming area (zone restricted?)</a:t>
-            </a:r>
-          </a:p>
-          <a:p>
+              <a:t>Strengths and weaknesses(accuracy, movement, health, </a:t>
+            </a:r>
             <a:r>
               <a:rPr lang="en-NZ" dirty="0" err="1"/>
               <a:t>etc</a:t>
             </a:r>
+            <a:r>
+              <a:rPr lang="en-NZ" dirty="0"/>
+              <a:t>)</a:t>
+            </a:r>
+          </a:p>
+          <a:p>
             <a:endParaRPr lang="en-NZ" dirty="0"/>
           </a:p>
         </p:txBody>
       </p:sp>
       <p:sp>
         <p:nvSpPr>
-          <p:cNvPr id="4" name="Rectangle 3"/>
+          <p:cNvPr id="5" name="Rectangle 4"/>
           <p:cNvSpPr/>
           <p:nvPr/>
         </p:nvSpPr>
@@ -6902,7 +6967,7 @@
     </p:spTree>
     <p:extLst>
       <p:ext uri="{BB962C8B-B14F-4D97-AF65-F5344CB8AC3E}">
-        <p14:creationId xmlns:p14="http://schemas.microsoft.com/office/powerpoint/2010/main" val="4266287313"/>
+        <p14:creationId xmlns:p14="http://schemas.microsoft.com/office/powerpoint/2010/main" val="1732921120"/>
       </p:ext>
     </p:extLst>
   </p:cSld>
@@ -6946,6 +7011,144 @@
           <a:p>
             <a:r>
               <a:rPr lang="en-NZ" dirty="0"/>
+              <a:t>Enemies</a:t>
+            </a:r>
+          </a:p>
+        </p:txBody>
+      </p:sp>
+      <p:sp>
+        <p:nvSpPr>
+          <p:cNvPr id="3" name="Content Placeholder 2"/>
+          <p:cNvSpPr>
+            <a:spLocks noGrp="1"/>
+          </p:cNvSpPr>
+          <p:nvPr>
+            <p:ph idx="1"/>
+          </p:nvPr>
+        </p:nvSpPr>
+        <p:spPr>
+          <a:xfrm>
+            <a:off x="4699000" y="2224089"/>
+            <a:ext cx="6861002" cy="3880773"/>
+          </a:xfrm>
+        </p:spPr>
+        <p:txBody>
+          <a:bodyPr/>
+          <a:lstStyle/>
+          <a:p>
+            <a:r>
+              <a:rPr lang="en-NZ" dirty="0"/>
+              <a:t>Standard enemies and boss enemy</a:t>
+            </a:r>
+          </a:p>
+          <a:p>
+            <a:r>
+              <a:rPr lang="en-NZ" dirty="0"/>
+              <a:t>Random accuracy, strength, health, movement</a:t>
+            </a:r>
+          </a:p>
+          <a:p>
+            <a:r>
+              <a:rPr lang="en-NZ" dirty="0"/>
+              <a:t>Limited roaming area (zone restricted?)</a:t>
+            </a:r>
+          </a:p>
+          <a:p>
+            <a:r>
+              <a:rPr lang="en-NZ" dirty="0" err="1"/>
+              <a:t>etc</a:t>
+            </a:r>
+            <a:endParaRPr lang="en-NZ" dirty="0"/>
+          </a:p>
+        </p:txBody>
+      </p:sp>
+      <p:sp>
+        <p:nvSpPr>
+          <p:cNvPr id="4" name="Rectangle 3"/>
+          <p:cNvSpPr/>
+          <p:nvPr/>
+        </p:nvSpPr>
+        <p:spPr>
+          <a:xfrm>
+            <a:off x="139700" y="1549400"/>
+            <a:ext cx="4394200" cy="4673600"/>
+          </a:xfrm>
+          <a:prstGeom prst="rect">
+            <a:avLst/>
+          </a:prstGeom>
+        </p:spPr>
+        <p:style>
+          <a:lnRef idx="2">
+            <a:schemeClr val="accent1">
+              <a:shade val="50000"/>
+            </a:schemeClr>
+          </a:lnRef>
+          <a:fillRef idx="1">
+            <a:schemeClr val="accent1"/>
+          </a:fillRef>
+          <a:effectRef idx="0">
+            <a:schemeClr val="accent1"/>
+          </a:effectRef>
+          <a:fontRef idx="minor">
+            <a:schemeClr val="lt1"/>
+          </a:fontRef>
+        </p:style>
+        <p:txBody>
+          <a:bodyPr rtlCol="0" anchor="ctr"/>
+          <a:lstStyle/>
+          <a:p>
+            <a:pPr algn="ctr"/>
+            <a:endParaRPr lang="en-NZ"/>
+          </a:p>
+        </p:txBody>
+      </p:sp>
+    </p:spTree>
+    <p:extLst>
+      <p:ext uri="{BB962C8B-B14F-4D97-AF65-F5344CB8AC3E}">
+        <p14:creationId xmlns:p14="http://schemas.microsoft.com/office/powerpoint/2010/main" val="4266287313"/>
+      </p:ext>
+    </p:extLst>
+  </p:cSld>
+  <p:clrMapOvr>
+    <a:masterClrMapping/>
+  </p:clrMapOvr>
+</p:sld>
+</file>
+
+<file path=ppt/slides/slide8.xml><?xml version="1.0" encoding="utf-8"?>
+<p:sld xmlns:a="http://schemas.openxmlformats.org/drawingml/2006/main" xmlns:r="http://schemas.openxmlformats.org/officeDocument/2006/relationships" xmlns:p="http://schemas.openxmlformats.org/presentationml/2006/main">
+  <p:cSld>
+    <p:spTree>
+      <p:nvGrpSpPr>
+        <p:cNvPr id="1" name=""/>
+        <p:cNvGrpSpPr/>
+        <p:nvPr/>
+      </p:nvGrpSpPr>
+      <p:grpSpPr>
+        <a:xfrm>
+          <a:off x="0" y="0"/>
+          <a:ext cx="0" cy="0"/>
+          <a:chOff x="0" y="0"/>
+          <a:chExt cx="0" cy="0"/>
+        </a:xfrm>
+      </p:grpSpPr>
+      <p:sp>
+        <p:nvSpPr>
+          <p:cNvPr id="2" name="Title 1"/>
+          <p:cNvSpPr>
+            <a:spLocks noGrp="1"/>
+          </p:cNvSpPr>
+          <p:nvPr>
+            <p:ph type="title"/>
+          </p:nvPr>
+        </p:nvSpPr>
+        <p:spPr/>
+        <p:txBody>
+          <a:bodyPr/>
+          <a:lstStyle/>
+          <a:p>
+            <a:r>
+              <a:rPr lang="en-NZ" dirty="0"/>
               <a:t>World</a:t>
             </a:r>
           </a:p>
@@ -6986,7 +7189,7 @@
 </p:sld>
 </file>
 
-<file path=ppt/slides/slide8.xml><?xml version="1.0" encoding="utf-8"?>
+<file path=ppt/slides/slide9.xml><?xml version="1.0" encoding="utf-8"?>
 <p:sld xmlns:a="http://schemas.openxmlformats.org/drawingml/2006/main" xmlns:r="http://schemas.openxmlformats.org/officeDocument/2006/relationships" xmlns:p="http://schemas.openxmlformats.org/presentationml/2006/main">
   <p:cSld>
     <p:spTree>
@@ -7125,77 +7328,6 @@
     <p:extLst>
       <p:ext uri="{BB962C8B-B14F-4D97-AF65-F5344CB8AC3E}">
         <p14:creationId xmlns:p14="http://schemas.microsoft.com/office/powerpoint/2010/main" val="1184540702"/>
-      </p:ext>
-    </p:extLst>
-  </p:cSld>
-  <p:clrMapOvr>
-    <a:masterClrMapping/>
-  </p:clrMapOvr>
-</p:sld>
-</file>
-
-<file path=ppt/slides/slide9.xml><?xml version="1.0" encoding="utf-8"?>
-<p:sld xmlns:a="http://schemas.openxmlformats.org/drawingml/2006/main" xmlns:r="http://schemas.openxmlformats.org/officeDocument/2006/relationships" xmlns:p="http://schemas.openxmlformats.org/presentationml/2006/main">
-  <p:cSld>
-    <p:spTree>
-      <p:nvGrpSpPr>
-        <p:cNvPr id="1" name=""/>
-        <p:cNvGrpSpPr/>
-        <p:nvPr/>
-      </p:nvGrpSpPr>
-      <p:grpSpPr>
-        <a:xfrm>
-          <a:off x="0" y="0"/>
-          <a:ext cx="0" cy="0"/>
-          <a:chOff x="0" y="0"/>
-          <a:chExt cx="0" cy="0"/>
-        </a:xfrm>
-      </p:grpSpPr>
-      <p:sp>
-        <p:nvSpPr>
-          <p:cNvPr id="2" name="Title 1"/>
-          <p:cNvSpPr>
-            <a:spLocks noGrp="1"/>
-          </p:cNvSpPr>
-          <p:nvPr>
-            <p:ph type="title"/>
-          </p:nvPr>
-        </p:nvSpPr>
-        <p:spPr/>
-        <p:txBody>
-          <a:bodyPr/>
-          <a:lstStyle/>
-          <a:p>
-            <a:r>
-              <a:rPr lang="en-NZ" dirty="0"/>
-              <a:t>Combat Interaction</a:t>
-            </a:r>
-          </a:p>
-        </p:txBody>
-      </p:sp>
-      <p:sp>
-        <p:nvSpPr>
-          <p:cNvPr id="3" name="Content Placeholder 2"/>
-          <p:cNvSpPr>
-            <a:spLocks noGrp="1"/>
-          </p:cNvSpPr>
-          <p:nvPr>
-            <p:ph idx="1"/>
-          </p:nvPr>
-        </p:nvSpPr>
-        <p:spPr/>
-        <p:txBody>
-          <a:bodyPr/>
-          <a:lstStyle/>
-          <a:p>
-            <a:endParaRPr lang="en-NZ" dirty="0"/>
-          </a:p>
-        </p:txBody>
-      </p:sp>
-    </p:spTree>
-    <p:extLst>
-      <p:ext uri="{BB962C8B-B14F-4D97-AF65-F5344CB8AC3E}">
-        <p14:creationId xmlns:p14="http://schemas.microsoft.com/office/powerpoint/2010/main" val="2300384800"/>
       </p:ext>
     </p:extLst>
   </p:cSld>
@@ -7248,7 +7380,7 @@
     </a:clrScheme>
     <a:fontScheme name="Facet">
       <a:majorFont>
-        <a:latin typeface="Trebuchet MS"/>
+        <a:latin typeface="Trebuchet MS" panose="020B0603020202020204"/>
         <a:ea typeface=""/>
         <a:cs typeface=""/>
         <a:font script="Jpan" typeface="メイリオ"/>
@@ -7283,7 +7415,7 @@
         <a:font script="Geor" typeface="Sylfaen"/>
       </a:majorFont>
       <a:minorFont>
-        <a:latin typeface="Trebuchet MS"/>
+        <a:latin typeface="Trebuchet MS" panose="020B0603020202020204"/>
         <a:ea typeface=""/>
         <a:cs typeface=""/>
         <a:font script="Jpan" typeface="メイリオ"/>
@@ -7456,7 +7588,7 @@
   <a:extraClrSchemeLst/>
   <a:extLst>
     <a:ext uri="{05A4C25C-085E-4340-85A3-A5531E510DB2}">
-      <thm15:themeFamily xmlns:thm15="http://schemas.microsoft.com/office/thememl/2012/main" xmlns="" name="Facet" id="{C0C680CD-088A-49FC-A102-D699147F32B2}" vid="{8C59B386-999D-4CB6-B907-9F3997C027CC}"/>
+      <thm15:themeFamily xmlns:thm15="http://schemas.microsoft.com/office/thememl/2012/main" name="Facet" id="{C0C680CD-088A-49FC-A102-D699147F32B2}" vid="{8C59B386-999D-4CB6-B907-9F3997C027CC}"/>
     </a:ext>
   </a:extLst>
 </a:theme>

--- a/presentation.pptx
+++ b/presentation.pptx
@@ -117,7 +117,7 @@
   </p:defaultTextStyle>
   <p:extLst>
     <p:ext uri="{EFAFB233-063F-42B5-8137-9DF3F51BA10A}">
-      <p15:sldGuideLst xmlns:p15="http://schemas.microsoft.com/office/powerpoint/2012/main"/>
+      <p15:sldGuideLst xmlns:p15="http://schemas.microsoft.com/office/powerpoint/2012/main" xmlns=""/>
     </p:ext>
   </p:extLst>
 </p:presentation>
@@ -5950,15 +5950,171 @@
             <p:ph idx="1"/>
           </p:nvPr>
         </p:nvSpPr>
-        <p:spPr/>
+        <p:spPr>
+          <a:xfrm>
+            <a:off x="4645479" y="1275064"/>
+            <a:ext cx="7119257" cy="5403321"/>
+          </a:xfrm>
+        </p:spPr>
         <p:txBody>
           <a:bodyPr/>
           <a:lstStyle/>
           <a:p>
+            <a:r>
+              <a:rPr lang="en-NZ" dirty="0" smtClean="0"/>
+              <a:t>Combat done in phases;</a:t>
+            </a:r>
+          </a:p>
+          <a:p>
+            <a:r>
+              <a:rPr lang="en-NZ" dirty="0" smtClean="0"/>
+              <a:t>Movement phase -&gt; action phase -&gt; RNG phase</a:t>
+            </a:r>
+          </a:p>
+          <a:p>
+            <a:r>
+              <a:rPr lang="en-NZ" dirty="0" smtClean="0"/>
+              <a:t>After all actions have been decided, the game will run through a sequence that goes in turn and performs actions based on the decisions made and RNG will dictate damage, chance to hit etc.</a:t>
+            </a:r>
+          </a:p>
+          <a:p>
+            <a:r>
+              <a:rPr lang="en-NZ" dirty="0" smtClean="0"/>
+              <a:t>After this the computer will cycle back to the movement phase for the player who’s first in turn order.</a:t>
+            </a:r>
+          </a:p>
+          <a:p>
+            <a:r>
+              <a:rPr lang="en-NZ" dirty="0" smtClean="0"/>
+              <a:t>Will likely be implemented using a variable to dictate current phase state, and then while loops will decide what code will be running (what actions are available) during that phase. Minimal actions will be available during the RNG phase (likely just pause ability, if that.)</a:t>
+            </a:r>
             <a:endParaRPr lang="en-NZ" dirty="0"/>
           </a:p>
         </p:txBody>
       </p:sp>
+      <p:pic>
+        <p:nvPicPr>
+          <p:cNvPr id="5122" name="Picture 2" descr="http://image.jeuxvideo.com/images/videos/extraits-images/201005/final_fantasy_tactics_advance_gba-00008547-low.jpg"/>
+          <p:cNvPicPr>
+            <a:picLocks noChangeAspect="1" noChangeArrowheads="1"/>
+          </p:cNvPicPr>
+          <p:nvPr/>
+        </p:nvPicPr>
+        <p:blipFill>
+          <a:blip r:embed="rId2">
+            <a:extLst>
+              <a:ext uri="{28A0092B-C50C-407E-A947-70E740481C1C}">
+                <a14:useLocalDpi xmlns:a14="http://schemas.microsoft.com/office/drawing/2010/main" val="0"/>
+              </a:ext>
+            </a:extLst>
+          </a:blip>
+          <a:srcRect/>
+          <a:stretch>
+            <a:fillRect/>
+          </a:stretch>
+        </p:blipFill>
+        <p:spPr bwMode="auto">
+          <a:xfrm>
+            <a:off x="1355724" y="2916083"/>
+            <a:ext cx="2619375" cy="1746251"/>
+          </a:xfrm>
+          <a:prstGeom prst="rect">
+            <a:avLst/>
+          </a:prstGeom>
+          <a:noFill/>
+          <a:extLst>
+            <a:ext uri="{909E8E84-426E-40DD-AFC4-6F175D3DCCD1}">
+              <a14:hiddenFill xmlns:a14="http://schemas.microsoft.com/office/drawing/2010/main">
+                <a:solidFill>
+                  <a:srgbClr val="FFFFFF"/>
+                </a:solidFill>
+              </a14:hiddenFill>
+            </a:ext>
+          </a:extLst>
+        </p:spPr>
+      </p:pic>
+      <p:pic>
+        <p:nvPicPr>
+          <p:cNvPr id="5124" name="Picture 4" descr="http://cdn2.gameslikezone.com/wp-content/uploads/2016/04/Turn-Based-Strategy-Games-Like-XCOM-Final-Fantasy-Tactics-1024x576.jpg"/>
+          <p:cNvPicPr>
+            <a:picLocks noChangeAspect="1" noChangeArrowheads="1"/>
+          </p:cNvPicPr>
+          <p:nvPr/>
+        </p:nvPicPr>
+        <p:blipFill>
+          <a:blip r:embed="rId3" cstate="print">
+            <a:extLst>
+              <a:ext uri="{28A0092B-C50C-407E-A947-70E740481C1C}">
+                <a14:useLocalDpi xmlns:a14="http://schemas.microsoft.com/office/drawing/2010/main" val="0"/>
+              </a:ext>
+            </a:extLst>
+          </a:blip>
+          <a:srcRect/>
+          <a:stretch>
+            <a:fillRect/>
+          </a:stretch>
+        </p:blipFill>
+        <p:spPr bwMode="auto">
+          <a:xfrm>
+            <a:off x="1355723" y="1275064"/>
+            <a:ext cx="2619375" cy="1473399"/>
+          </a:xfrm>
+          <a:prstGeom prst="rect">
+            <a:avLst/>
+          </a:prstGeom>
+          <a:noFill/>
+          <a:extLst>
+            <a:ext uri="{909E8E84-426E-40DD-AFC4-6F175D3DCCD1}">
+              <a14:hiddenFill xmlns:a14="http://schemas.microsoft.com/office/drawing/2010/main">
+                <a:solidFill>
+                  <a:srgbClr val="FFFFFF"/>
+                </a:solidFill>
+              </a14:hiddenFill>
+            </a:ext>
+          </a:extLst>
+        </p:spPr>
+      </p:pic>
+      <p:pic>
+        <p:nvPicPr>
+          <p:cNvPr id="5126" name="Picture 6" descr="Image result for final fantasy tactics advance combat"/>
+          <p:cNvPicPr>
+            <a:picLocks noChangeAspect="1" noChangeArrowheads="1"/>
+          </p:cNvPicPr>
+          <p:nvPr/>
+        </p:nvPicPr>
+        <p:blipFill>
+          <a:blip r:embed="rId4">
+            <a:extLst>
+              <a:ext uri="{28A0092B-C50C-407E-A947-70E740481C1C}">
+                <a14:useLocalDpi xmlns:a14="http://schemas.microsoft.com/office/drawing/2010/main" val="0"/>
+              </a:ext>
+            </a:extLst>
+          </a:blip>
+          <a:srcRect/>
+          <a:stretch>
+            <a:fillRect/>
+          </a:stretch>
+        </p:blipFill>
+        <p:spPr bwMode="auto">
+          <a:xfrm>
+            <a:off x="1355724" y="4837028"/>
+            <a:ext cx="2619375" cy="1743076"/>
+          </a:xfrm>
+          <a:prstGeom prst="rect">
+            <a:avLst/>
+          </a:prstGeom>
+          <a:noFill/>
+          <a:extLst>
+            <a:ext uri="{909E8E84-426E-40DD-AFC4-6F175D3DCCD1}">
+              <a14:hiddenFill xmlns:a14="http://schemas.microsoft.com/office/drawing/2010/main">
+                <a:solidFill>
+                  <a:srgbClr val="FFFFFF"/>
+                </a:solidFill>
+              </a14:hiddenFill>
+            </a:ext>
+          </a:extLst>
+        </p:spPr>
+      </p:pic>
     </p:spTree>
     <p:extLst>
       <p:ext uri="{BB962C8B-B14F-4D97-AF65-F5344CB8AC3E}">
@@ -6433,7 +6589,7 @@
           <p:nvPr/>
         </p:nvPicPr>
         <p:blipFill>
-          <a:blip r:embed="rId2">
+          <a:blip r:embed="rId2" cstate="print">
             <a:extLst>
               <a:ext uri="{28A0092B-C50C-407E-A947-70E740481C1C}">
                 <a14:useLocalDpi xmlns:a14="http://schemas.microsoft.com/office/drawing/2010/main" val="0"/>
@@ -6649,14 +6805,14 @@
       </p:sp>
       <p:pic>
         <p:nvPicPr>
-          <p:cNvPr id="1026" name="Picture 2" descr="https://pixabay.com/static/uploads/photo/2012/11/02/05/23/question-63916_960_720.jpg"/>
+          <p:cNvPr id="2052" name="Picture 4"/>
           <p:cNvPicPr>
             <a:picLocks noChangeAspect="1" noChangeArrowheads="1"/>
           </p:cNvPicPr>
           <p:nvPr/>
         </p:nvPicPr>
         <p:blipFill>
-          <a:blip r:embed="rId2">
+          <a:blip r:embed="rId2" cstate="print">
             <a:extLst>
               <a:ext uri="{28A0092B-C50C-407E-A947-70E740481C1C}">
                 <a14:useLocalDpi xmlns:a14="http://schemas.microsoft.com/office/drawing/2010/main" val="0"/>
@@ -6670,20 +6826,43 @@
         </p:blipFill>
         <p:spPr bwMode="auto">
           <a:xfrm>
-            <a:off x="173160" y="2144967"/>
-            <a:ext cx="4091305" cy="2889485"/>
+            <a:off x="783581" y="1483323"/>
+            <a:ext cx="2975855" cy="4212772"/>
           </a:xfrm>
           <a:prstGeom prst="rect">
             <a:avLst/>
           </a:prstGeom>
           <a:noFill/>
+          <a:ln>
+            <a:noFill/>
+          </a:ln>
+          <a:effectLst/>
           <a:extLst>
             <a:ext uri="{909E8E84-426E-40DD-AFC4-6F175D3DCCD1}">
               <a14:hiddenFill xmlns:a14="http://schemas.microsoft.com/office/drawing/2010/main">
                 <a:solidFill>
-                  <a:srgbClr val="FFFFFF"/>
+                  <a:schemeClr val="accent1"/>
                 </a:solidFill>
               </a14:hiddenFill>
+            </a:ext>
+            <a:ext uri="{91240B29-F687-4F45-9708-019B960494DF}">
+              <a14:hiddenLine xmlns:a14="http://schemas.microsoft.com/office/drawing/2010/main" w="9525">
+                <a:solidFill>
+                  <a:schemeClr val="tx1"/>
+                </a:solidFill>
+                <a:miter lim="800000"/>
+                <a:headEnd/>
+                <a:tailEnd/>
+              </a14:hiddenLine>
+            </a:ext>
+            <a:ext uri="{AF507438-7753-43E0-B8FC-AC1667EBCBE1}">
+              <a14:hiddenEffects xmlns:a14="http://schemas.microsoft.com/office/drawing/2010/main">
+                <a:effectLst>
+                  <a:outerShdw dist="35921" dir="2700000" algn="ctr" rotWithShape="0">
+                    <a:schemeClr val="bg2"/>
+                  </a:outerShdw>
+                </a:effectLst>
+              </a14:hiddenEffects>
             </a:ext>
           </a:extLst>
         </p:spPr>
@@ -6752,8 +6931,8 @@
         </p:nvSpPr>
         <p:spPr>
           <a:xfrm>
-            <a:off x="5609492" y="2160589"/>
-            <a:ext cx="3664510" cy="3880773"/>
+            <a:off x="5609491" y="1572761"/>
+            <a:ext cx="6302201" cy="4468601"/>
           </a:xfrm>
         </p:spPr>
         <p:txBody>
@@ -6767,17 +6946,40 @@
           </a:p>
           <a:p>
             <a:r>
-              <a:rPr lang="en-NZ" dirty="0"/>
-              <a:t>//sprite sheet sub </a:t>
-            </a:r>
-            <a:r>
-              <a:rPr lang="en-NZ" dirty="0" err="1"/>
-              <a:t>rect</a:t>
-            </a:r>
-            <a:r>
-              <a:rPr lang="en-NZ" dirty="0"/>
-              <a:t> info</a:t>
-            </a:r>
+              <a:rPr lang="en-NZ" dirty="0" smtClean="0"/>
+              <a:t>FFTA sprite sheet as reference for now as this is done in isometric view</a:t>
+            </a:r>
+          </a:p>
+          <a:p>
+            <a:r>
+              <a:rPr lang="en-NZ" dirty="0" smtClean="0"/>
+              <a:t>Using SFML’s </a:t>
+            </a:r>
+            <a:r>
+              <a:rPr lang="en-NZ" dirty="0" err="1" smtClean="0"/>
+              <a:t>sf</a:t>
+            </a:r>
+            <a:r>
+              <a:rPr lang="en-NZ" dirty="0" smtClean="0"/>
+              <a:t>::texture and </a:t>
+            </a:r>
+            <a:r>
+              <a:rPr lang="en-NZ" dirty="0" err="1" smtClean="0"/>
+              <a:t>sf</a:t>
+            </a:r>
+            <a:r>
+              <a:rPr lang="en-NZ" dirty="0" smtClean="0"/>
+              <a:t>::sprite classes for implementation</a:t>
+            </a:r>
+          </a:p>
+          <a:p>
+            <a:r>
+              <a:rPr lang="en-NZ" dirty="0" smtClean="0"/>
+              <a:t>Using the sprite sheet to the left (modified for implementation) as a placeholder, proper sprite design is secondary so this will be done only if there is extra time after main game logic has been implemented</a:t>
+            </a:r>
+          </a:p>
+          <a:p>
+            <a:endParaRPr lang="en-NZ" dirty="0"/>
           </a:p>
         </p:txBody>
       </p:sp>
@@ -6804,7 +7006,7 @@
         </p:blipFill>
         <p:spPr bwMode="auto">
           <a:xfrm>
-            <a:off x="289367" y="2160589"/>
+            <a:off x="289366" y="1572761"/>
             <a:ext cx="5218363" cy="3457696"/>
           </a:xfrm>
           <a:prstGeom prst="rect">
@@ -6895,8 +7097,12 @@
           <a:lstStyle/>
           <a:p>
             <a:r>
+              <a:rPr lang="en-NZ" dirty="0" smtClean="0"/>
+              <a:t>Information stored </a:t>
+            </a:r>
+            <a:r>
               <a:rPr lang="en-NZ" dirty="0"/>
-              <a:t>//information stored in character class/script file</a:t>
+              <a:t>in character class/script file</a:t>
             </a:r>
           </a:p>
           <a:p>
@@ -6915,55 +7121,63 @@
               <a:t>etc</a:t>
             </a:r>
             <a:r>
-              <a:rPr lang="en-NZ" dirty="0"/>
+              <a:rPr lang="en-NZ" dirty="0" smtClean="0"/>
               <a:t>)</a:t>
             </a:r>
           </a:p>
           <a:p>
+            <a:r>
+              <a:rPr lang="en-NZ" dirty="0" smtClean="0"/>
+              <a:t>Characters, enemies, bosses will all be under a character class, but subclasses under these will dictate unique parameters</a:t>
+            </a:r>
             <a:endParaRPr lang="en-NZ" dirty="0"/>
           </a:p>
-        </p:txBody>
-      </p:sp>
-      <p:sp>
-        <p:nvSpPr>
-          <p:cNvPr id="5" name="Rectangle 4"/>
-          <p:cNvSpPr/>
+          <a:p>
+            <a:endParaRPr lang="en-NZ" dirty="0"/>
+          </a:p>
+        </p:txBody>
+      </p:sp>
+      <p:pic>
+        <p:nvPicPr>
+          <p:cNvPr id="1027" name="Picture 3" descr="C:\Users\·Aquila\Documents\Unitec 2016\ISCG6442 - Game\Assignment 2 files\char_big.png"/>
+          <p:cNvPicPr>
+            <a:picLocks noChangeAspect="1" noChangeArrowheads="1"/>
+          </p:cNvPicPr>
           <p:nvPr/>
-        </p:nvSpPr>
-        <p:spPr>
+        </p:nvPicPr>
+        <p:blipFill>
+          <a:blip r:embed="rId2">
+            <a:extLst>
+              <a:ext uri="{28A0092B-C50C-407E-A947-70E740481C1C}">
+                <a14:useLocalDpi xmlns:a14="http://schemas.microsoft.com/office/drawing/2010/main" val="0"/>
+              </a:ext>
+            </a:extLst>
+          </a:blip>
+          <a:srcRect/>
+          <a:stretch>
+            <a:fillRect/>
+          </a:stretch>
+        </p:blipFill>
+        <p:spPr bwMode="auto">
           <a:xfrm>
-            <a:off x="139700" y="1549400"/>
-            <a:ext cx="4394200" cy="4673600"/>
+            <a:off x="343800" y="1565731"/>
+            <a:ext cx="4008384" cy="4839834"/>
           </a:xfrm>
           <a:prstGeom prst="rect">
             <a:avLst/>
           </a:prstGeom>
+          <a:noFill/>
+          <a:extLst>
+            <a:ext uri="{909E8E84-426E-40DD-AFC4-6F175D3DCCD1}">
+              <a14:hiddenFill xmlns:a14="http://schemas.microsoft.com/office/drawing/2010/main">
+                <a:solidFill>
+                  <a:srgbClr val="FFFFFF"/>
+                </a:solidFill>
+              </a14:hiddenFill>
+            </a:ext>
+          </a:extLst>
         </p:spPr>
-        <p:style>
-          <a:lnRef idx="2">
-            <a:schemeClr val="accent1">
-              <a:shade val="50000"/>
-            </a:schemeClr>
-          </a:lnRef>
-          <a:fillRef idx="1">
-            <a:schemeClr val="accent1"/>
-          </a:fillRef>
-          <a:effectRef idx="0">
-            <a:schemeClr val="accent1"/>
-          </a:effectRef>
-          <a:fontRef idx="minor">
-            <a:schemeClr val="lt1"/>
-          </a:fontRef>
-        </p:style>
-        <p:txBody>
-          <a:bodyPr rtlCol="0" anchor="ctr"/>
-          <a:lstStyle/>
-          <a:p>
-            <a:pPr algn="ctr"/>
-            <a:endParaRPr lang="en-NZ"/>
-          </a:p>
-        </p:txBody>
-      </p:sp>
+      </p:pic>
     </p:spTree>
     <p:extLst>
       <p:ext uri="{BB962C8B-B14F-4D97-AF65-F5344CB8AC3E}">
@@ -7044,8 +7258,13 @@
           <a:p>
             <a:r>
               <a:rPr lang="en-NZ" dirty="0"/>
-              <a:t>Random accuracy, strength, health, movement</a:t>
-            </a:r>
+              <a:t>Random accuracy, strength, health, </a:t>
+            </a:r>
+            <a:r>
+              <a:rPr lang="en-NZ" dirty="0" smtClean="0"/>
+              <a:t>movement (perhaps based on a difficulty setting / variable)</a:t>
+            </a:r>
+            <a:endParaRPr lang="en-NZ" dirty="0"/>
           </a:p>
           <a:p>
             <a:r>
@@ -7055,53 +7274,69 @@
           </a:p>
           <a:p>
             <a:r>
-              <a:rPr lang="en-NZ" dirty="0" err="1"/>
-              <a:t>etc</a:t>
-            </a:r>
+              <a:rPr lang="en-NZ" dirty="0" err="1" smtClean="0"/>
+              <a:t>Etc</a:t>
+            </a:r>
+            <a:endParaRPr lang="en-NZ" dirty="0" smtClean="0"/>
+          </a:p>
+          <a:p>
+            <a:r>
+              <a:rPr lang="en-NZ" dirty="0" smtClean="0"/>
+              <a:t>Boss enemies could take up double the space on the grid (2x2)</a:t>
+            </a:r>
+          </a:p>
+          <a:p>
+            <a:r>
+              <a:rPr lang="en-NZ" dirty="0"/>
+              <a:t>Characters, enemies, bosses will all be under a character class, but subclasses under these will dictate unique parameters</a:t>
+            </a:r>
+          </a:p>
+          <a:p>
             <a:endParaRPr lang="en-NZ" dirty="0"/>
           </a:p>
         </p:txBody>
       </p:sp>
-      <p:sp>
-        <p:nvSpPr>
-          <p:cNvPr id="4" name="Rectangle 3"/>
-          <p:cNvSpPr/>
+      <p:pic>
+        <p:nvPicPr>
+          <p:cNvPr id="3074" name="Picture 2" descr="C:\Users\·Aquila\Documents\Unitec 2016\ISCG6442 - Game\Assignment 2 files\enem_boss.png"/>
+          <p:cNvPicPr>
+            <a:picLocks noChangeAspect="1" noChangeArrowheads="1"/>
+          </p:cNvPicPr>
           <p:nvPr/>
-        </p:nvSpPr>
-        <p:spPr>
+        </p:nvPicPr>
+        <p:blipFill>
+          <a:blip r:embed="rId2" cstate="print">
+            <a:extLst>
+              <a:ext uri="{28A0092B-C50C-407E-A947-70E740481C1C}">
+                <a14:useLocalDpi xmlns:a14="http://schemas.microsoft.com/office/drawing/2010/main" val="0"/>
+              </a:ext>
+            </a:extLst>
+          </a:blip>
+          <a:srcRect/>
+          <a:stretch>
+            <a:fillRect/>
+          </a:stretch>
+        </p:blipFill>
+        <p:spPr bwMode="auto">
           <a:xfrm>
-            <a:off x="139700" y="1549400"/>
-            <a:ext cx="4394200" cy="4673600"/>
+            <a:off x="384629" y="1549399"/>
+            <a:ext cx="3656693" cy="4672909"/>
           </a:xfrm>
           <a:prstGeom prst="rect">
             <a:avLst/>
           </a:prstGeom>
+          <a:noFill/>
+          <a:extLst>
+            <a:ext uri="{909E8E84-426E-40DD-AFC4-6F175D3DCCD1}">
+              <a14:hiddenFill xmlns:a14="http://schemas.microsoft.com/office/drawing/2010/main">
+                <a:solidFill>
+                  <a:srgbClr val="FFFFFF"/>
+                </a:solidFill>
+              </a14:hiddenFill>
+            </a:ext>
+          </a:extLst>
         </p:spPr>
-        <p:style>
-          <a:lnRef idx="2">
-            <a:schemeClr val="accent1">
-              <a:shade val="50000"/>
-            </a:schemeClr>
-          </a:lnRef>
-          <a:fillRef idx="1">
-            <a:schemeClr val="accent1"/>
-          </a:fillRef>
-          <a:effectRef idx="0">
-            <a:schemeClr val="accent1"/>
-          </a:effectRef>
-          <a:fontRef idx="minor">
-            <a:schemeClr val="lt1"/>
-          </a:fontRef>
-        </p:style>
-        <p:txBody>
-          <a:bodyPr rtlCol="0" anchor="ctr"/>
-          <a:lstStyle/>
-          <a:p>
-            <a:pPr algn="ctr"/>
-            <a:endParaRPr lang="en-NZ"/>
-          </a:p>
-        </p:txBody>
-      </p:sp>
+      </p:pic>
     </p:spTree>
     <p:extLst>
       <p:ext uri="{BB962C8B-B14F-4D97-AF65-F5344CB8AC3E}">
@@ -7164,18 +7399,77 @@
             <p:ph idx="1"/>
           </p:nvPr>
         </p:nvSpPr>
-        <p:spPr/>
+        <p:spPr>
+          <a:xfrm>
+            <a:off x="4392386" y="2160589"/>
+            <a:ext cx="4881616" cy="3880773"/>
+          </a:xfrm>
+        </p:spPr>
         <p:txBody>
           <a:bodyPr/>
           <a:lstStyle/>
           <a:p>
             <a:r>
-              <a:rPr lang="en-NZ" dirty="0"/>
-              <a:t>placeholder</a:t>
-            </a:r>
-          </a:p>
-        </p:txBody>
-      </p:sp>
+              <a:rPr lang="en-NZ" dirty="0" smtClean="0"/>
+              <a:t>Using Tiled for world construction, will be primarily focusing on flat plane level for now</a:t>
+            </a:r>
+          </a:p>
+          <a:p>
+            <a:r>
+              <a:rPr lang="en-NZ" dirty="0" smtClean="0"/>
+              <a:t>Will implement elevated terrain if there’s time</a:t>
+            </a:r>
+          </a:p>
+          <a:p>
+            <a:r>
+              <a:rPr lang="en-NZ" dirty="0" smtClean="0"/>
+              <a:t>Will be aiming to implement obstacles and differing terrain types (e.g., ground, bridge, river, out-of-bounds) that have conditional movement.</a:t>
+            </a:r>
+            <a:endParaRPr lang="en-NZ" dirty="0"/>
+          </a:p>
+        </p:txBody>
+      </p:sp>
+      <p:pic>
+        <p:nvPicPr>
+          <p:cNvPr id="4098" name="Picture 2" descr="http://ffta.mimigyaru.com/medias/lieux/carte_2_1.png"/>
+          <p:cNvPicPr>
+            <a:picLocks noChangeAspect="1" noChangeArrowheads="1"/>
+          </p:cNvPicPr>
+          <p:nvPr/>
+        </p:nvPicPr>
+        <p:blipFill>
+          <a:blip r:embed="rId2">
+            <a:extLst>
+              <a:ext uri="{28A0092B-C50C-407E-A947-70E740481C1C}">
+                <a14:useLocalDpi xmlns:a14="http://schemas.microsoft.com/office/drawing/2010/main" val="0"/>
+              </a:ext>
+            </a:extLst>
+          </a:blip>
+          <a:srcRect/>
+          <a:stretch>
+            <a:fillRect/>
+          </a:stretch>
+        </p:blipFill>
+        <p:spPr bwMode="auto">
+          <a:xfrm>
+            <a:off x="155575" y="1942647"/>
+            <a:ext cx="4152900" cy="2990850"/>
+          </a:xfrm>
+          <a:prstGeom prst="rect">
+            <a:avLst/>
+          </a:prstGeom>
+          <a:noFill/>
+          <a:extLst>
+            <a:ext uri="{909E8E84-426E-40DD-AFC4-6F175D3DCCD1}">
+              <a14:hiddenFill xmlns:a14="http://schemas.microsoft.com/office/drawing/2010/main">
+                <a:solidFill>
+                  <a:srgbClr val="FFFFFF"/>
+                </a:solidFill>
+              </a14:hiddenFill>
+            </a:ext>
+          </a:extLst>
+        </p:spPr>
+      </p:pic>
     </p:spTree>
     <p:extLst>
       <p:ext uri="{BB962C8B-B14F-4D97-AF65-F5344CB8AC3E}">
@@ -7380,7 +7674,7 @@
     </a:clrScheme>
     <a:fontScheme name="Facet">
       <a:majorFont>
-        <a:latin typeface="Trebuchet MS" panose="020B0603020202020204"/>
+        <a:latin typeface="Trebuchet MS"/>
         <a:ea typeface=""/>
         <a:cs typeface=""/>
         <a:font script="Jpan" typeface="メイリオ"/>
@@ -7415,7 +7709,7 @@
         <a:font script="Geor" typeface="Sylfaen"/>
       </a:majorFont>
       <a:minorFont>
-        <a:latin typeface="Trebuchet MS" panose="020B0603020202020204"/>
+        <a:latin typeface="Trebuchet MS"/>
         <a:ea typeface=""/>
         <a:cs typeface=""/>
         <a:font script="Jpan" typeface="メイリオ"/>
@@ -7588,7 +7882,7 @@
   <a:extraClrSchemeLst/>
   <a:extLst>
     <a:ext uri="{05A4C25C-085E-4340-85A3-A5531E510DB2}">
-      <thm15:themeFamily xmlns:thm15="http://schemas.microsoft.com/office/thememl/2012/main" name="Facet" id="{C0C680CD-088A-49FC-A102-D699147F32B2}" vid="{8C59B386-999D-4CB6-B907-9F3997C027CC}"/>
+      <thm15:themeFamily xmlns:thm15="http://schemas.microsoft.com/office/thememl/2012/main" xmlns="" name="Facet" id="{C0C680CD-088A-49FC-A102-D699147F32B2}" vid="{8C59B386-999D-4CB6-B907-9F3997C027CC}"/>
     </a:ext>
   </a:extLst>
 </a:theme>
